--- a/大论文计划.pptx
+++ b/大论文计划.pptx
@@ -244,7 +244,7 @@
           <a:p>
             <a:fld id="{5516BA08-2176-1447-98F3-5213BB3A2622}" type="datetimeFigureOut">
               <a:rPr kumimoji="1" lang="zh-CN" altLang="en-US" smtClean="0"/>
-              <a:t>2017/7/5</a:t>
+              <a:t>2017/7/9</a:t>
             </a:fld>
             <a:endParaRPr kumimoji="1" lang="zh-CN" altLang="en-US"/>
           </a:p>
@@ -414,7 +414,7 @@
           <a:p>
             <a:fld id="{5516BA08-2176-1447-98F3-5213BB3A2622}" type="datetimeFigureOut">
               <a:rPr kumimoji="1" lang="zh-CN" altLang="en-US" smtClean="0"/>
-              <a:t>2017/7/5</a:t>
+              <a:t>2017/7/9</a:t>
             </a:fld>
             <a:endParaRPr kumimoji="1" lang="zh-CN" altLang="en-US"/>
           </a:p>
@@ -594,7 +594,7 @@
           <a:p>
             <a:fld id="{5516BA08-2176-1447-98F3-5213BB3A2622}" type="datetimeFigureOut">
               <a:rPr kumimoji="1" lang="zh-CN" altLang="en-US" smtClean="0"/>
-              <a:t>2017/7/5</a:t>
+              <a:t>2017/7/9</a:t>
             </a:fld>
             <a:endParaRPr kumimoji="1" lang="zh-CN" altLang="en-US"/>
           </a:p>
@@ -764,7 +764,7 @@
           <a:p>
             <a:fld id="{5516BA08-2176-1447-98F3-5213BB3A2622}" type="datetimeFigureOut">
               <a:rPr kumimoji="1" lang="zh-CN" altLang="en-US" smtClean="0"/>
-              <a:t>2017/7/5</a:t>
+              <a:t>2017/7/9</a:t>
             </a:fld>
             <a:endParaRPr kumimoji="1" lang="zh-CN" altLang="en-US"/>
           </a:p>
@@ -1010,7 +1010,7 @@
           <a:p>
             <a:fld id="{5516BA08-2176-1447-98F3-5213BB3A2622}" type="datetimeFigureOut">
               <a:rPr kumimoji="1" lang="zh-CN" altLang="en-US" smtClean="0"/>
-              <a:t>2017/7/5</a:t>
+              <a:t>2017/7/9</a:t>
             </a:fld>
             <a:endParaRPr kumimoji="1" lang="zh-CN" altLang="en-US"/>
           </a:p>
@@ -1242,7 +1242,7 @@
           <a:p>
             <a:fld id="{5516BA08-2176-1447-98F3-5213BB3A2622}" type="datetimeFigureOut">
               <a:rPr kumimoji="1" lang="zh-CN" altLang="en-US" smtClean="0"/>
-              <a:t>2017/7/5</a:t>
+              <a:t>2017/7/9</a:t>
             </a:fld>
             <a:endParaRPr kumimoji="1" lang="zh-CN" altLang="en-US"/>
           </a:p>
@@ -1609,7 +1609,7 @@
           <a:p>
             <a:fld id="{5516BA08-2176-1447-98F3-5213BB3A2622}" type="datetimeFigureOut">
               <a:rPr kumimoji="1" lang="zh-CN" altLang="en-US" smtClean="0"/>
-              <a:t>2017/7/5</a:t>
+              <a:t>2017/7/9</a:t>
             </a:fld>
             <a:endParaRPr kumimoji="1" lang="zh-CN" altLang="en-US"/>
           </a:p>
@@ -1727,7 +1727,7 @@
           <a:p>
             <a:fld id="{5516BA08-2176-1447-98F3-5213BB3A2622}" type="datetimeFigureOut">
               <a:rPr kumimoji="1" lang="zh-CN" altLang="en-US" smtClean="0"/>
-              <a:t>2017/7/5</a:t>
+              <a:t>2017/7/9</a:t>
             </a:fld>
             <a:endParaRPr kumimoji="1" lang="zh-CN" altLang="en-US"/>
           </a:p>
@@ -1822,7 +1822,7 @@
           <a:p>
             <a:fld id="{5516BA08-2176-1447-98F3-5213BB3A2622}" type="datetimeFigureOut">
               <a:rPr kumimoji="1" lang="zh-CN" altLang="en-US" smtClean="0"/>
-              <a:t>2017/7/5</a:t>
+              <a:t>2017/7/9</a:t>
             </a:fld>
             <a:endParaRPr kumimoji="1" lang="zh-CN" altLang="en-US"/>
           </a:p>
@@ -2099,7 +2099,7 @@
           <a:p>
             <a:fld id="{5516BA08-2176-1447-98F3-5213BB3A2622}" type="datetimeFigureOut">
               <a:rPr kumimoji="1" lang="zh-CN" altLang="en-US" smtClean="0"/>
-              <a:t>2017/7/5</a:t>
+              <a:t>2017/7/9</a:t>
             </a:fld>
             <a:endParaRPr kumimoji="1" lang="zh-CN" altLang="en-US"/>
           </a:p>
@@ -2352,7 +2352,7 @@
           <a:p>
             <a:fld id="{5516BA08-2176-1447-98F3-5213BB3A2622}" type="datetimeFigureOut">
               <a:rPr kumimoji="1" lang="zh-CN" altLang="en-US" smtClean="0"/>
-              <a:t>2017/7/5</a:t>
+              <a:t>2017/7/9</a:t>
             </a:fld>
             <a:endParaRPr kumimoji="1" lang="zh-CN" altLang="en-US"/>
           </a:p>
@@ -2565,7 +2565,7 @@
           <a:p>
             <a:fld id="{5516BA08-2176-1447-98F3-5213BB3A2622}" type="datetimeFigureOut">
               <a:rPr kumimoji="1" lang="zh-CN" altLang="en-US" smtClean="0"/>
-              <a:t>2017/7/5</a:t>
+              <a:t>2017/7/9</a:t>
             </a:fld>
             <a:endParaRPr kumimoji="1" lang="zh-CN" altLang="en-US"/>
           </a:p>
@@ -3916,7 +3916,15 @@
             </a:r>
             <a:r>
               <a:rPr kumimoji="1" lang="zh-CN" altLang="en-US" sz="3200" dirty="0" smtClean="0"/>
-              <a:t>）上述可以分成中医和西医</a:t>
+              <a:t>）上述可以分成中医和</a:t>
+            </a:r>
+            <a:r>
+              <a:rPr kumimoji="1" lang="zh-CN" altLang="en-US" sz="3200" dirty="0" smtClean="0"/>
+              <a:t>西医</a:t>
+            </a:r>
+            <a:r>
+              <a:rPr kumimoji="1" lang="en-US" altLang="zh-CN" sz="3200" smtClean="0"/>
+              <a:t>----</a:t>
             </a:r>
             <a:endParaRPr kumimoji="1" lang="en-US" altLang="zh-CN" sz="3200" dirty="0"/>
           </a:p>
@@ -3971,7 +3979,15 @@
             </a:r>
             <a:r>
               <a:rPr kumimoji="1" lang="zh-CN" altLang="en-US" sz="3200" dirty="0" smtClean="0"/>
-              <a:t>）半监督算法（有时间做，不影响系统的完成）</a:t>
+              <a:t>）半监督算法（有时间做，不影响系统的完成</a:t>
+            </a:r>
+            <a:r>
+              <a:rPr kumimoji="1" lang="zh-CN" altLang="en-US" sz="3200" dirty="0" smtClean="0"/>
+              <a:t>）</a:t>
+            </a:r>
+            <a:r>
+              <a:rPr kumimoji="1" lang="en-US" altLang="zh-CN" sz="3200" dirty="0" smtClean="0"/>
+              <a:t>---</a:t>
             </a:r>
             <a:endParaRPr kumimoji="1" lang="en-US" altLang="zh-CN" sz="3200" dirty="0" smtClean="0"/>
           </a:p>

--- a/大论文计划.pptx
+++ b/大论文计划.pptx
@@ -7,6 +7,7 @@
   <p:sldIdLst>
     <p:sldId id="256" r:id="rId2"/>
     <p:sldId id="257" r:id="rId3"/>
+    <p:sldId id="258" r:id="rId4"/>
   </p:sldIdLst>
   <p:sldSz cx="12192000" cy="6858000"/>
   <p:notesSz cx="6858000" cy="9144000"/>
@@ -244,7 +245,7 @@
           <a:p>
             <a:fld id="{5516BA08-2176-1447-98F3-5213BB3A2622}" type="datetimeFigureOut">
               <a:rPr kumimoji="1" lang="zh-CN" altLang="en-US" smtClean="0"/>
-              <a:t>2017/7/9</a:t>
+              <a:t>2017/7/15</a:t>
             </a:fld>
             <a:endParaRPr kumimoji="1" lang="zh-CN" altLang="en-US"/>
           </a:p>
@@ -414,7 +415,7 @@
           <a:p>
             <a:fld id="{5516BA08-2176-1447-98F3-5213BB3A2622}" type="datetimeFigureOut">
               <a:rPr kumimoji="1" lang="zh-CN" altLang="en-US" smtClean="0"/>
-              <a:t>2017/7/9</a:t>
+              <a:t>2017/7/15</a:t>
             </a:fld>
             <a:endParaRPr kumimoji="1" lang="zh-CN" altLang="en-US"/>
           </a:p>
@@ -594,7 +595,7 @@
           <a:p>
             <a:fld id="{5516BA08-2176-1447-98F3-5213BB3A2622}" type="datetimeFigureOut">
               <a:rPr kumimoji="1" lang="zh-CN" altLang="en-US" smtClean="0"/>
-              <a:t>2017/7/9</a:t>
+              <a:t>2017/7/15</a:t>
             </a:fld>
             <a:endParaRPr kumimoji="1" lang="zh-CN" altLang="en-US"/>
           </a:p>
@@ -764,7 +765,7 @@
           <a:p>
             <a:fld id="{5516BA08-2176-1447-98F3-5213BB3A2622}" type="datetimeFigureOut">
               <a:rPr kumimoji="1" lang="zh-CN" altLang="en-US" smtClean="0"/>
-              <a:t>2017/7/9</a:t>
+              <a:t>2017/7/15</a:t>
             </a:fld>
             <a:endParaRPr kumimoji="1" lang="zh-CN" altLang="en-US"/>
           </a:p>
@@ -1010,7 +1011,7 @@
           <a:p>
             <a:fld id="{5516BA08-2176-1447-98F3-5213BB3A2622}" type="datetimeFigureOut">
               <a:rPr kumimoji="1" lang="zh-CN" altLang="en-US" smtClean="0"/>
-              <a:t>2017/7/9</a:t>
+              <a:t>2017/7/15</a:t>
             </a:fld>
             <a:endParaRPr kumimoji="1" lang="zh-CN" altLang="en-US"/>
           </a:p>
@@ -1242,7 +1243,7 @@
           <a:p>
             <a:fld id="{5516BA08-2176-1447-98F3-5213BB3A2622}" type="datetimeFigureOut">
               <a:rPr kumimoji="1" lang="zh-CN" altLang="en-US" smtClean="0"/>
-              <a:t>2017/7/9</a:t>
+              <a:t>2017/7/15</a:t>
             </a:fld>
             <a:endParaRPr kumimoji="1" lang="zh-CN" altLang="en-US"/>
           </a:p>
@@ -1609,7 +1610,7 @@
           <a:p>
             <a:fld id="{5516BA08-2176-1447-98F3-5213BB3A2622}" type="datetimeFigureOut">
               <a:rPr kumimoji="1" lang="zh-CN" altLang="en-US" smtClean="0"/>
-              <a:t>2017/7/9</a:t>
+              <a:t>2017/7/15</a:t>
             </a:fld>
             <a:endParaRPr kumimoji="1" lang="zh-CN" altLang="en-US"/>
           </a:p>
@@ -1727,7 +1728,7 @@
           <a:p>
             <a:fld id="{5516BA08-2176-1447-98F3-5213BB3A2622}" type="datetimeFigureOut">
               <a:rPr kumimoji="1" lang="zh-CN" altLang="en-US" smtClean="0"/>
-              <a:t>2017/7/9</a:t>
+              <a:t>2017/7/15</a:t>
             </a:fld>
             <a:endParaRPr kumimoji="1" lang="zh-CN" altLang="en-US"/>
           </a:p>
@@ -1822,7 +1823,7 @@
           <a:p>
             <a:fld id="{5516BA08-2176-1447-98F3-5213BB3A2622}" type="datetimeFigureOut">
               <a:rPr kumimoji="1" lang="zh-CN" altLang="en-US" smtClean="0"/>
-              <a:t>2017/7/9</a:t>
+              <a:t>2017/7/15</a:t>
             </a:fld>
             <a:endParaRPr kumimoji="1" lang="zh-CN" altLang="en-US"/>
           </a:p>
@@ -2099,7 +2100,7 @@
           <a:p>
             <a:fld id="{5516BA08-2176-1447-98F3-5213BB3A2622}" type="datetimeFigureOut">
               <a:rPr kumimoji="1" lang="zh-CN" altLang="en-US" smtClean="0"/>
-              <a:t>2017/7/9</a:t>
+              <a:t>2017/7/15</a:t>
             </a:fld>
             <a:endParaRPr kumimoji="1" lang="zh-CN" altLang="en-US"/>
           </a:p>
@@ -2352,7 +2353,7 @@
           <a:p>
             <a:fld id="{5516BA08-2176-1447-98F3-5213BB3A2622}" type="datetimeFigureOut">
               <a:rPr kumimoji="1" lang="zh-CN" altLang="en-US" smtClean="0"/>
-              <a:t>2017/7/9</a:t>
+              <a:t>2017/7/15</a:t>
             </a:fld>
             <a:endParaRPr kumimoji="1" lang="zh-CN" altLang="en-US"/>
           </a:p>
@@ -2565,7 +2566,7 @@
           <a:p>
             <a:fld id="{5516BA08-2176-1447-98F3-5213BB3A2622}" type="datetimeFigureOut">
               <a:rPr kumimoji="1" lang="zh-CN" altLang="en-US" smtClean="0"/>
-              <a:t>2017/7/9</a:t>
+              <a:t>2017/7/15</a:t>
             </a:fld>
             <a:endParaRPr kumimoji="1" lang="zh-CN" altLang="en-US"/>
           </a:p>
@@ -3916,14 +3917,10 @@
             </a:r>
             <a:r>
               <a:rPr kumimoji="1" lang="zh-CN" altLang="en-US" sz="3200" dirty="0" smtClean="0"/>
-              <a:t>）上述可以分成中医和</a:t>
-            </a:r>
-            <a:r>
-              <a:rPr kumimoji="1" lang="zh-CN" altLang="en-US" sz="3200" dirty="0" smtClean="0"/>
-              <a:t>西医</a:t>
-            </a:r>
-            <a:r>
-              <a:rPr kumimoji="1" lang="en-US" altLang="zh-CN" sz="3200" smtClean="0"/>
+              <a:t>）上述可以分成中医和西医</a:t>
+            </a:r>
+            <a:r>
+              <a:rPr kumimoji="1" lang="en-US" altLang="zh-CN" sz="3200" dirty="0" smtClean="0"/>
               <a:t>----</a:t>
             </a:r>
             <a:endParaRPr kumimoji="1" lang="en-US" altLang="zh-CN" sz="3200" dirty="0"/>
@@ -3979,17 +3976,12 @@
             </a:r>
             <a:r>
               <a:rPr kumimoji="1" lang="zh-CN" altLang="en-US" sz="3200" dirty="0" smtClean="0"/>
-              <a:t>）半监督算法（有时间做，不影响系统的完成</a:t>
-            </a:r>
-            <a:r>
-              <a:rPr kumimoji="1" lang="zh-CN" altLang="en-US" sz="3200" dirty="0" smtClean="0"/>
-              <a:t>）</a:t>
+              <a:t>）半监督算法（有时间做，不影响系统的完成）</a:t>
             </a:r>
             <a:r>
               <a:rPr kumimoji="1" lang="en-US" altLang="zh-CN" sz="3200" dirty="0" smtClean="0"/>
               <a:t>---</a:t>
             </a:r>
-            <a:endParaRPr kumimoji="1" lang="en-US" altLang="zh-CN" sz="3200" dirty="0" smtClean="0"/>
           </a:p>
           <a:p>
             <a:endParaRPr kumimoji="1" lang="zh-CN" altLang="en-US" sz="3200" dirty="0"/>
@@ -4013,6 +4005,66 @@
       </p:par>
     </p:tnLst>
   </p:timing>
+</p:sld>
+</file>
+
+<file path=ppt/slides/slide3.xml><?xml version="1.0" encoding="utf-8"?>
+<p:sld xmlns:a="http://schemas.openxmlformats.org/drawingml/2006/main" xmlns:r="http://schemas.openxmlformats.org/officeDocument/2006/relationships" xmlns:p="http://schemas.openxmlformats.org/presentationml/2006/main">
+  <p:cSld>
+    <p:spTree>
+      <p:nvGrpSpPr>
+        <p:cNvPr id="1" name=""/>
+        <p:cNvGrpSpPr/>
+        <p:nvPr/>
+      </p:nvGrpSpPr>
+      <p:grpSpPr>
+        <a:xfrm>
+          <a:off x="0" y="0"/>
+          <a:ext cx="0" cy="0"/>
+          <a:chOff x="0" y="0"/>
+          <a:chExt cx="0" cy="0"/>
+        </a:xfrm>
+      </p:grpSpPr>
+      <p:pic>
+        <p:nvPicPr>
+          <p:cNvPr id="4" name="图片 3"/>
+          <p:cNvPicPr>
+            <a:picLocks noChangeAspect="1"/>
+          </p:cNvPicPr>
+          <p:nvPr/>
+        </p:nvPicPr>
+        <p:blipFill>
+          <a:blip r:embed="rId2">
+            <a:extLst>
+              <a:ext uri="{28A0092B-C50C-407E-A947-70E740481C1C}">
+                <a14:useLocalDpi xmlns:a14="http://schemas.microsoft.com/office/drawing/2010/main" val="0"/>
+              </a:ext>
+            </a:extLst>
+          </a:blip>
+          <a:stretch>
+            <a:fillRect/>
+          </a:stretch>
+        </p:blipFill>
+        <p:spPr>
+          <a:xfrm>
+            <a:off x="0" y="0"/>
+            <a:ext cx="12192000" cy="6858000"/>
+          </a:xfrm>
+          <a:prstGeom prst="rect">
+            <a:avLst/>
+          </a:prstGeom>
+        </p:spPr>
+      </p:pic>
+    </p:spTree>
+    <p:extLst>
+      <p:ext uri="{BB962C8B-B14F-4D97-AF65-F5344CB8AC3E}">
+        <p14:creationId xmlns:p14="http://schemas.microsoft.com/office/powerpoint/2010/main" val="705356631"/>
+      </p:ext>
+    </p:extLst>
+  </p:cSld>
+  <p:clrMapOvr>
+    <a:masterClrMapping/>
+  </p:clrMapOvr>
 </p:sld>
 </file>
 
